--- a/Who Watches the Watchmen.pptx
+++ b/Who Watches the Watchmen.pptx
@@ -2826,7 +2826,7 @@
           </a:ln>
           <a:extLst>
             <a:ext uri="{C572A759-6A51-4108-AA02-DFA0A04FC94B}">
-              <ma14:wrappingTextBoxFlag xmlns="" xmlns:ma14="http://schemas.microsoft.com/office/mac/drawingml/2011/main" val="1"/>
+              <ma14:wrappingTextBoxFlag xmlns:ma14="http://schemas.microsoft.com/office/mac/drawingml/2011/main" xmlns="" val="1"/>
             </a:ext>
           </a:extLst>
         </p:spPr>
@@ -2865,7 +2865,7 @@
           </a:ln>
           <a:extLst>
             <a:ext uri="{C572A759-6A51-4108-AA02-DFA0A04FC94B}">
-              <ma14:wrappingTextBoxFlag xmlns="" xmlns:ma14="http://schemas.microsoft.com/office/mac/drawingml/2011/main" val="1"/>
+              <ma14:wrappingTextBoxFlag xmlns:ma14="http://schemas.microsoft.com/office/mac/drawingml/2011/main" xmlns="" val="1"/>
             </a:ext>
           </a:extLst>
         </p:spPr>
@@ -4337,7 +4337,7 @@
         <p:spPr>
           <a:xfrm>
             <a:off x="152400" y="6419181"/>
-            <a:ext cx="5665973" cy="369330"/>
+            <a:ext cx="7789951" cy="369330"/>
           </a:xfrm>
           <a:prstGeom prst="rect">
             <a:avLst/>
@@ -4374,101 +4374,75 @@
                   <a:schemeClr val="bg1"/>
                 </a:solidFill>
               </a:rPr>
-              <a:t>https://github.com/MatthewYKnowles/dev-space-2018.git </a:t>
+              <a:t>https://</a:t>
+            </a:r>
+            <a:r>
+              <a:rPr lang="en-US" dirty="0" err="1">
+                <a:solidFill>
+                  <a:schemeClr val="bg1"/>
+                </a:solidFill>
+              </a:rPr>
+              <a:t>github.com</a:t>
+            </a:r>
+            <a:r>
+              <a:rPr lang="en-US" dirty="0">
+                <a:solidFill>
+                  <a:schemeClr val="bg1"/>
+                </a:solidFill>
+              </a:rPr>
+              <a:t>/</a:t>
+            </a:r>
+            <a:r>
+              <a:rPr lang="en-US" dirty="0" err="1">
+                <a:solidFill>
+                  <a:schemeClr val="bg1"/>
+                </a:solidFill>
+              </a:rPr>
+              <a:t>MatthewYKnowles</a:t>
+            </a:r>
+            <a:r>
+              <a:rPr lang="en-US" dirty="0">
+                <a:solidFill>
+                  <a:schemeClr val="bg1"/>
+                </a:solidFill>
+              </a:rPr>
+              <a:t>/</a:t>
+            </a:r>
+            <a:r>
+              <a:rPr lang="en-US" dirty="0" err="1">
+                <a:solidFill>
+                  <a:schemeClr val="bg1"/>
+                </a:solidFill>
+              </a:rPr>
+              <a:t>samcart</a:t>
+            </a:r>
+            <a:r>
+              <a:rPr lang="en-US" dirty="0">
+                <a:solidFill>
+                  <a:schemeClr val="bg1"/>
+                </a:solidFill>
+              </a:rPr>
+              <a:t>-</a:t>
+            </a:r>
+            <a:r>
+              <a:rPr lang="en-US" dirty="0" err="1">
+                <a:solidFill>
+                  <a:schemeClr val="bg1"/>
+                </a:solidFill>
+              </a:rPr>
+              <a:t>lunchlearn</a:t>
+            </a:r>
+            <a:r>
+              <a:rPr lang="en-US" dirty="0">
+                <a:solidFill>
+                  <a:schemeClr val="bg1"/>
+                </a:solidFill>
+              </a:rPr>
+              <a:t>-mutation-testing</a:t>
             </a:r>
           </a:p>
         </p:txBody>
       </p:sp>
-      <p:pic>
-        <p:nvPicPr>
-          <p:cNvPr id="10" name="Picture 9">
-            <a:extLst>
-              <a:ext uri="{FF2B5EF4-FFF2-40B4-BE49-F238E27FC236}">
-                <a16:creationId xmlns:a16="http://schemas.microsoft.com/office/drawing/2014/main" id="{2F0A15F8-478E-41E3-B549-4D3C3A4E4B08}"/>
-              </a:ext>
-            </a:extLst>
-          </p:cNvPr>
-          <p:cNvPicPr>
-            <a:picLocks noChangeAspect="1"/>
-          </p:cNvPicPr>
-          <p:nvPr/>
-        </p:nvPicPr>
-        <p:blipFill>
-          <a:blip r:embed="rId3"/>
-          <a:stretch>
-            <a:fillRect/>
-          </a:stretch>
-        </p:blipFill>
-        <p:spPr>
-          <a:xfrm>
-            <a:off x="152400" y="5420601"/>
-            <a:ext cx="1428760" cy="766768"/>
-          </a:xfrm>
-          <a:prstGeom prst="rect">
-            <a:avLst/>
-          </a:prstGeom>
-        </p:spPr>
-      </p:pic>
-      <p:pic>
-        <p:nvPicPr>
-          <p:cNvPr id="11" name="Picture 10">
-            <a:extLst>
-              <a:ext uri="{FF2B5EF4-FFF2-40B4-BE49-F238E27FC236}">
-                <a16:creationId xmlns:a16="http://schemas.microsoft.com/office/drawing/2014/main" id="{D28D3833-4FA7-46BB-996C-8C6AFE7B8DEC}"/>
-              </a:ext>
-            </a:extLst>
-          </p:cNvPr>
-          <p:cNvPicPr>
-            <a:picLocks noChangeAspect="1"/>
-          </p:cNvPicPr>
-          <p:nvPr/>
-        </p:nvPicPr>
-        <p:blipFill>
-          <a:blip r:embed="rId4"/>
-          <a:stretch>
-            <a:fillRect/>
-          </a:stretch>
-        </p:blipFill>
-        <p:spPr>
-          <a:xfrm>
-            <a:off x="1922863" y="5420600"/>
-            <a:ext cx="1610854" cy="766767"/>
-          </a:xfrm>
-          <a:prstGeom prst="rect">
-            <a:avLst/>
-          </a:prstGeom>
-        </p:spPr>
-      </p:pic>
-      <p:pic>
-        <p:nvPicPr>
-          <p:cNvPr id="12" name="Picture 11">
-            <a:extLst>
-              <a:ext uri="{FF2B5EF4-FFF2-40B4-BE49-F238E27FC236}">
-                <a16:creationId xmlns:a16="http://schemas.microsoft.com/office/drawing/2014/main" id="{7DD45C0F-044E-4464-81B4-AE05DA9777DE}"/>
-              </a:ext>
-            </a:extLst>
-          </p:cNvPr>
-          <p:cNvPicPr>
-            <a:picLocks noChangeAspect="1"/>
-          </p:cNvPicPr>
-          <p:nvPr/>
-        </p:nvPicPr>
-        <p:blipFill>
-          <a:blip r:embed="rId5"/>
-          <a:stretch>
-            <a:fillRect/>
-          </a:stretch>
-        </p:blipFill>
-        <p:spPr>
-          <a:xfrm>
-            <a:off x="3875420" y="5406582"/>
-            <a:ext cx="1638847" cy="766695"/>
-          </a:xfrm>
-          <a:prstGeom prst="rect">
-            <a:avLst/>
-          </a:prstGeom>
-        </p:spPr>
-      </p:pic>
     </p:spTree>
     <p:extLst>
       <p:ext uri="{BB962C8B-B14F-4D97-AF65-F5344CB8AC3E}">
@@ -4742,8 +4716,8 @@
         </p:nvSpPr>
         <p:spPr>
           <a:xfrm>
-            <a:off x="1524000" y="177971"/>
-            <a:ext cx="9144000" cy="975418"/>
+            <a:off x="1524000" y="177970"/>
+            <a:ext cx="9144000" cy="1616453"/>
           </a:xfrm>
         </p:spPr>
         <p:txBody>
@@ -5245,7 +5219,7 @@
         </p:nvSpPr>
         <p:spPr>
           <a:xfrm>
-            <a:off x="6699738" y="3798278"/>
+            <a:off x="6452231" y="3798278"/>
             <a:ext cx="5864469" cy="923328"/>
           </a:xfrm>
           <a:prstGeom prst="rect">
@@ -5441,8 +5415,8 @@
         </p:nvSpPr>
         <p:spPr>
           <a:xfrm>
-            <a:off x="434504" y="2397125"/>
-            <a:ext cx="9603659" cy="4258856"/>
+            <a:off x="468881" y="1592727"/>
+            <a:ext cx="7643842" cy="4828697"/>
           </a:xfrm>
         </p:spPr>
         <p:txBody>
@@ -5468,6 +5442,26 @@
                 </a:solidFill>
               </a:rPr>
               <a:t>JavaScript – Stryker</a:t>
+            </a:r>
+          </a:p>
+          <a:p>
+            <a:pPr algn="l" defTabSz="457200">
+              <a:lnSpc>
+                <a:spcPct val="200000"/>
+              </a:lnSpc>
+              <a:defRPr sz="3666" b="0">
+                <a:solidFill>
+                  <a:srgbClr val="404040"/>
+                </a:solidFill>
+              </a:defRPr>
+            </a:pPr>
+            <a:r>
+              <a:rPr lang="en-US" sz="3600" b="1" dirty="0">
+                <a:solidFill>
+                  <a:schemeClr val="bg1"/>
+                </a:solidFill>
+              </a:rPr>
+              <a:t>PHP - Infection</a:t>
             </a:r>
           </a:p>
           <a:p>

--- a/Who Watches the Watchmen.pptx
+++ b/Who Watches the Watchmen.pptx
@@ -746,7 +746,7 @@
           <a:p>
             <a:r>
               <a:rPr lang="en-US" dirty="0"/>
-              <a:t>Before we get into the details of mutation testing I would like to zoom out so we can understand where it fits in an agile software development process.  We are going to start with tests why do you write them?</a:t>
+              <a:t>Before we get into the details of test quality I would like to zoom out so we can understand where it fits in an agile software development process.  We are going to start with tests why do you write them?</a:t>
             </a:r>
           </a:p>
         </p:txBody>
@@ -2826,7 +2826,7 @@
           </a:ln>
           <a:extLst>
             <a:ext uri="{C572A759-6A51-4108-AA02-DFA0A04FC94B}">
-              <ma14:wrappingTextBoxFlag xmlns:ma14="http://schemas.microsoft.com/office/mac/drawingml/2011/main" xmlns="" val="1"/>
+              <ma14:wrappingTextBoxFlag xmlns="" xmlns:ma14="http://schemas.microsoft.com/office/mac/drawingml/2011/main" val="1"/>
             </a:ext>
           </a:extLst>
         </p:spPr>
@@ -2865,7 +2865,7 @@
           </a:ln>
           <a:extLst>
             <a:ext uri="{C572A759-6A51-4108-AA02-DFA0A04FC94B}">
-              <ma14:wrappingTextBoxFlag xmlns:ma14="http://schemas.microsoft.com/office/mac/drawingml/2011/main" xmlns="" val="1"/>
+              <ma14:wrappingTextBoxFlag xmlns="" xmlns:ma14="http://schemas.microsoft.com/office/mac/drawingml/2011/main" val="1"/>
             </a:ext>
           </a:extLst>
         </p:spPr>
